--- a/문서/MORPHOSIS_중간_재발표_자료.pptx
+++ b/문서/MORPHOSIS_중간_재발표_자료.pptx
@@ -1,6 +1,6 @@
 
 <file path=ppt/presentation.xml><?xml version="1.0" encoding="utf-8"?>
-<p:presentation xmlns:a="http://schemas.openxmlformats.org/drawingml/2006/main" xmlns:r="http://schemas.openxmlformats.org/officeDocument/2006/relationships" xmlns:p="http://schemas.openxmlformats.org/presentationml/2006/main" saveSubsetFonts="1">
+<p:presentation xmlns:a="http://schemas.openxmlformats.org/drawingml/2006/main" xmlns:r="http://schemas.openxmlformats.org/officeDocument/2006/relationships" xmlns:p="http://schemas.openxmlformats.org/presentationml/2006/main" embedTrueTypeFonts="1" saveSubsetFonts="1">
   <p:sldMasterIdLst>
     <p:sldMasterId id="2147483648" r:id="rId1"/>
   </p:sldMasterIdLst>
@@ -19,6 +19,18 @@
   </p:sldIdLst>
   <p:sldSz cx="12192000" cy="6858000"/>
   <p:notesSz cx="6858000" cy="9144000"/>
+  <p:embeddedFontLst>
+    <p:embeddedFont>
+      <p:font typeface="맑은 고딕" panose="020B0503020000020004" pitchFamily="50" charset="-127"/>
+      <p:regular r:id="rId13"/>
+      <p:bold r:id="rId14"/>
+    </p:embeddedFont>
+    <p:embeddedFont>
+      <p:font typeface="Noto Sans SemCond ExtLt" panose="020B0302040504020204" pitchFamily="34"/>
+      <p:regular r:id="rId15"/>
+      <p:italic r:id="rId16"/>
+    </p:embeddedFont>
+  </p:embeddedFontLst>
   <p:defaultTextStyle>
     <a:defPPr>
       <a:defRPr lang="ko-KR"/>
@@ -114,6 +126,11 @@
       </a:defRPr>
     </a:lvl9pPr>
   </p:defaultTextStyle>
+  <p:extLst>
+    <p:ext uri="{EFAFB233-063F-42B5-8137-9DF3F51BA10A}">
+      <p15:sldGuideLst xmlns:p15="http://schemas.microsoft.com/office/powerpoint/2012/main"/>
+    </p:ext>
+  </p:extLst>
 </p:presentation>
 </file>
 
@@ -264,7 +281,7 @@
           <a:p>
             <a:fld id="{C81C0028-CF5A-4F98-97F0-37F85B766410}" type="datetimeFigureOut">
               <a:rPr lang="ko-KR" altLang="en-US" smtClean="0"/>
-              <a:t>2019-06-03</a:t>
+              <a:t>2019-06-10</a:t>
             </a:fld>
             <a:endParaRPr lang="ko-KR" altLang="en-US"/>
           </a:p>
@@ -462,7 +479,7 @@
           <a:p>
             <a:fld id="{C81C0028-CF5A-4F98-97F0-37F85B766410}" type="datetimeFigureOut">
               <a:rPr lang="ko-KR" altLang="en-US" smtClean="0"/>
-              <a:t>2019-06-03</a:t>
+              <a:t>2019-06-10</a:t>
             </a:fld>
             <a:endParaRPr lang="ko-KR" altLang="en-US"/>
           </a:p>
@@ -670,7 +687,7 @@
           <a:p>
             <a:fld id="{C81C0028-CF5A-4F98-97F0-37F85B766410}" type="datetimeFigureOut">
               <a:rPr lang="ko-KR" altLang="en-US" smtClean="0"/>
-              <a:t>2019-06-03</a:t>
+              <a:t>2019-06-10</a:t>
             </a:fld>
             <a:endParaRPr lang="ko-KR" altLang="en-US"/>
           </a:p>
@@ -868,7 +885,7 @@
           <a:p>
             <a:fld id="{C81C0028-CF5A-4F98-97F0-37F85B766410}" type="datetimeFigureOut">
               <a:rPr lang="ko-KR" altLang="en-US" smtClean="0"/>
-              <a:t>2019-06-03</a:t>
+              <a:t>2019-06-10</a:t>
             </a:fld>
             <a:endParaRPr lang="ko-KR" altLang="en-US"/>
           </a:p>
@@ -1143,7 +1160,7 @@
           <a:p>
             <a:fld id="{C81C0028-CF5A-4F98-97F0-37F85B766410}" type="datetimeFigureOut">
               <a:rPr lang="ko-KR" altLang="en-US" smtClean="0"/>
-              <a:t>2019-06-03</a:t>
+              <a:t>2019-06-10</a:t>
             </a:fld>
             <a:endParaRPr lang="ko-KR" altLang="en-US"/>
           </a:p>
@@ -1408,7 +1425,7 @@
           <a:p>
             <a:fld id="{C81C0028-CF5A-4F98-97F0-37F85B766410}" type="datetimeFigureOut">
               <a:rPr lang="ko-KR" altLang="en-US" smtClean="0"/>
-              <a:t>2019-06-03</a:t>
+              <a:t>2019-06-10</a:t>
             </a:fld>
             <a:endParaRPr lang="ko-KR" altLang="en-US"/>
           </a:p>
@@ -1820,7 +1837,7 @@
           <a:p>
             <a:fld id="{C81C0028-CF5A-4F98-97F0-37F85B766410}" type="datetimeFigureOut">
               <a:rPr lang="ko-KR" altLang="en-US" smtClean="0"/>
-              <a:t>2019-06-03</a:t>
+              <a:t>2019-06-10</a:t>
             </a:fld>
             <a:endParaRPr lang="ko-KR" altLang="en-US"/>
           </a:p>
@@ -1961,7 +1978,7 @@
           <a:p>
             <a:fld id="{C81C0028-CF5A-4F98-97F0-37F85B766410}" type="datetimeFigureOut">
               <a:rPr lang="ko-KR" altLang="en-US" smtClean="0"/>
-              <a:t>2019-06-03</a:t>
+              <a:t>2019-06-10</a:t>
             </a:fld>
             <a:endParaRPr lang="ko-KR" altLang="en-US"/>
           </a:p>
@@ -2074,7 +2091,7 @@
           <a:p>
             <a:fld id="{C81C0028-CF5A-4F98-97F0-37F85B766410}" type="datetimeFigureOut">
               <a:rPr lang="ko-KR" altLang="en-US" smtClean="0"/>
-              <a:t>2019-06-03</a:t>
+              <a:t>2019-06-10</a:t>
             </a:fld>
             <a:endParaRPr lang="ko-KR" altLang="en-US"/>
           </a:p>
@@ -2385,7 +2402,7 @@
           <a:p>
             <a:fld id="{C81C0028-CF5A-4F98-97F0-37F85B766410}" type="datetimeFigureOut">
               <a:rPr lang="ko-KR" altLang="en-US" smtClean="0"/>
-              <a:t>2019-06-03</a:t>
+              <a:t>2019-06-10</a:t>
             </a:fld>
             <a:endParaRPr lang="ko-KR" altLang="en-US"/>
           </a:p>
@@ -2673,7 +2690,7 @@
           <a:p>
             <a:fld id="{C81C0028-CF5A-4F98-97F0-37F85B766410}" type="datetimeFigureOut">
               <a:rPr lang="ko-KR" altLang="en-US" smtClean="0"/>
-              <a:t>2019-06-03</a:t>
+              <a:t>2019-06-10</a:t>
             </a:fld>
             <a:endParaRPr lang="ko-KR" altLang="en-US"/>
           </a:p>
@@ -2917,7 +2934,7 @@
           <a:p>
             <a:fld id="{C81C0028-CF5A-4F98-97F0-37F85B766410}" type="datetimeFigureOut">
               <a:rPr lang="ko-KR" altLang="en-US" smtClean="0"/>
-              <a:t>2019-06-03</a:t>
+              <a:t>2019-06-10</a:t>
             </a:fld>
             <a:endParaRPr lang="ko-KR" altLang="en-US"/>
           </a:p>
@@ -3407,6 +3424,139 @@
           </a:p>
         </p:txBody>
       </p:sp>
+      <p:graphicFrame>
+        <p:nvGraphicFramePr>
+          <p:cNvPr id="4" name="표 3">
+            <a:extLst>
+              <a:ext uri="{FF2B5EF4-FFF2-40B4-BE49-F238E27FC236}">
+                <a16:creationId xmlns:a16="http://schemas.microsoft.com/office/drawing/2014/main" id="{9BB74D7D-5F4C-4EC3-A772-FAE91E7B305C}"/>
+              </a:ext>
+            </a:extLst>
+          </p:cNvPr>
+          <p:cNvGraphicFramePr>
+            <a:graphicFrameLocks noGrp="1"/>
+          </p:cNvGraphicFramePr>
+          <p:nvPr>
+            <p:extLst>
+              <p:ext uri="{D42A27DB-BD31-4B8C-83A1-F6EECF244321}">
+                <p14:modId xmlns:p14="http://schemas.microsoft.com/office/powerpoint/2010/main" val="135648569"/>
+              </p:ext>
+            </p:extLst>
+          </p:nvPr>
+        </p:nvGraphicFramePr>
+        <p:xfrm>
+          <a:off x="1349579" y="5032714"/>
+          <a:ext cx="1720792" cy="1405846"/>
+        </p:xfrm>
+        <a:graphic>
+          <a:graphicData uri="http://schemas.openxmlformats.org/drawingml/2006/table">
+            <a:tbl>
+              <a:tblPr firstRow="1" bandRow="1">
+                <a:tableStyleId>{5C22544A-7EE6-4342-B048-85BDC9FD1C3A}</a:tableStyleId>
+              </a:tblPr>
+              <a:tblGrid>
+                <a:gridCol w="1720792">
+                  <a:extLst>
+                    <a:ext uri="{9D8B030D-6E8A-4147-A177-3AD203B41FA5}">
+                      <a16:colId xmlns:a16="http://schemas.microsoft.com/office/drawing/2014/main" val="1957432207"/>
+                    </a:ext>
+                  </a:extLst>
+                </a:gridCol>
+              </a:tblGrid>
+              <a:tr h="424224">
+                <a:tc>
+                  <a:txBody>
+                    <a:bodyPr/>
+                    <a:lstStyle/>
+                    <a:p>
+                      <a:pPr algn="ctr" latinLnBrk="1"/>
+                      <a:r>
+                        <a:rPr lang="ko-KR" altLang="en-US" dirty="0">
+                          <a:latin typeface="Noto Sans CJK KR Light" panose="020B0300000000000000" pitchFamily="34" charset="-127"/>
+                          <a:ea typeface="Noto Sans CJK KR Light" panose="020B0300000000000000" pitchFamily="34" charset="-127"/>
+                        </a:rPr>
+                        <a:t>지도교수서명</a:t>
+                      </a:r>
+                    </a:p>
+                  </a:txBody>
+                  <a:tcPr anchor="ctr">
+                    <a:lnL w="12700" cmpd="sng">
+                      <a:noFill/>
+                    </a:lnL>
+                    <a:lnR w="12700" cmpd="sng">
+                      <a:noFill/>
+                    </a:lnR>
+                    <a:lnT w="12700" cmpd="sng">
+                      <a:noFill/>
+                    </a:lnT>
+                    <a:lnB w="38100" cmpd="sng">
+                      <a:noFill/>
+                    </a:lnB>
+                    <a:lnTlToBr w="12700" cmpd="sng">
+                      <a:noFill/>
+                      <a:prstDash val="solid"/>
+                    </a:lnTlToBr>
+                    <a:lnBlToTr w="12700" cmpd="sng">
+                      <a:noFill/>
+                      <a:prstDash val="solid"/>
+                    </a:lnBlToTr>
+                    <a:solidFill>
+                      <a:srgbClr val="FDF2DF"/>
+                    </a:solidFill>
+                  </a:tcPr>
+                </a:tc>
+                <a:extLst>
+                  <a:ext uri="{0D108BD9-81ED-4DB2-BD59-A6C34878D82A}">
+                    <a16:rowId xmlns:a16="http://schemas.microsoft.com/office/drawing/2014/main" val="30576815"/>
+                  </a:ext>
+                </a:extLst>
+              </a:tr>
+              <a:tr h="981622">
+                <a:tc>
+                  <a:txBody>
+                    <a:bodyPr/>
+                    <a:lstStyle/>
+                    <a:p>
+                      <a:pPr algn="ctr" latinLnBrk="1"/>
+                      <a:endParaRPr lang="ko-KR" altLang="en-US" dirty="0"/>
+                    </a:p>
+                  </a:txBody>
+                  <a:tcPr anchor="ctr">
+                    <a:lnL w="12700" cmpd="sng">
+                      <a:noFill/>
+                    </a:lnL>
+                    <a:lnR w="12700" cmpd="sng">
+                      <a:noFill/>
+                    </a:lnR>
+                    <a:lnT w="38100" cmpd="sng">
+                      <a:noFill/>
+                    </a:lnT>
+                    <a:lnB w="12700" cmpd="sng">
+                      <a:noFill/>
+                    </a:lnB>
+                    <a:lnTlToBr w="12700" cmpd="sng">
+                      <a:noFill/>
+                      <a:prstDash val="solid"/>
+                    </a:lnTlToBr>
+                    <a:lnBlToTr w="12700" cmpd="sng">
+                      <a:noFill/>
+                      <a:prstDash val="solid"/>
+                    </a:lnBlToTr>
+                    <a:solidFill>
+                      <a:schemeClr val="bg1"/>
+                    </a:solidFill>
+                  </a:tcPr>
+                </a:tc>
+                <a:extLst>
+                  <a:ext uri="{0D108BD9-81ED-4DB2-BD59-A6C34878D82A}">
+                    <a16:rowId xmlns:a16="http://schemas.microsoft.com/office/drawing/2014/main" val="306372359"/>
+                  </a:ext>
+                </a:extLst>
+              </a:tr>
+            </a:tbl>
+          </a:graphicData>
+        </a:graphic>
+      </p:graphicFrame>
     </p:spTree>
     <p:extLst>
       <p:ext uri="{BB962C8B-B14F-4D97-AF65-F5344CB8AC3E}">
